--- a/9/presentation/wda8.pptx
+++ b/9/presentation/wda8.pptx
@@ -225,7 +225,7 @@
           <a:p>
             <a:fld id="{7D261E44-C4C0-6344-AB31-495F47CEF0BF}" type="datetimeFigureOut">
               <a:rPr lang="sk-SK" smtClean="0"/>
-              <a:t>1.4.19</a:t>
+              <a:t>1. 4. 2019</a:t>
             </a:fld>
             <a:endParaRPr lang="sk-SK"/>
           </a:p>
@@ -624,7 +624,7 @@
           <a:p>
             <a:fld id="{A066C677-8E45-E141-9716-C86D7EE5D9E8}" type="datetime1">
               <a:rPr lang="sk-SK" smtClean="0"/>
-              <a:t>1.4.19</a:t>
+              <a:t>1. 4. 2019</a:t>
             </a:fld>
             <a:endParaRPr lang="en-US"/>
           </a:p>
@@ -794,7 +794,7 @@
           <a:p>
             <a:fld id="{2F1614C0-FE52-F449-9EB9-A0FF9A2543CD}" type="datetime1">
               <a:rPr lang="sk-SK" smtClean="0"/>
-              <a:t>1.4.19</a:t>
+              <a:t>1. 4. 2019</a:t>
             </a:fld>
             <a:endParaRPr lang="en-US"/>
           </a:p>
@@ -974,7 +974,7 @@
           <a:p>
             <a:fld id="{D00EA2FD-E00D-9848-8434-0267DBC70800}" type="datetime1">
               <a:rPr lang="sk-SK" smtClean="0"/>
-              <a:t>1.4.19</a:t>
+              <a:t>1. 4. 2019</a:t>
             </a:fld>
             <a:endParaRPr lang="en-US"/>
           </a:p>
@@ -1144,7 +1144,7 @@
           <a:p>
             <a:fld id="{EA230261-6B22-9D46-9363-FF39813EB6EC}" type="datetime1">
               <a:rPr lang="sk-SK" smtClean="0"/>
-              <a:t>1.4.19</a:t>
+              <a:t>1. 4. 2019</a:t>
             </a:fld>
             <a:endParaRPr lang="en-US"/>
           </a:p>
@@ -1388,7 +1388,7 @@
           <a:p>
             <a:fld id="{59FB9737-2E3E-7648-A62E-672F14D45174}" type="datetime1">
               <a:rPr lang="sk-SK" smtClean="0"/>
-              <a:t>1.4.19</a:t>
+              <a:t>1. 4. 2019</a:t>
             </a:fld>
             <a:endParaRPr lang="en-US"/>
           </a:p>
@@ -1620,7 +1620,7 @@
           <a:p>
             <a:fld id="{CE392BCD-50BB-5C4E-9FA2-1520C47BA1A9}" type="datetime1">
               <a:rPr lang="sk-SK" smtClean="0"/>
-              <a:t>1.4.19</a:t>
+              <a:t>1. 4. 2019</a:t>
             </a:fld>
             <a:endParaRPr lang="en-US"/>
           </a:p>
@@ -1987,7 +1987,7 @@
           <a:p>
             <a:fld id="{47588235-1A3D-8F40-84C0-D3E6FA642448}" type="datetime1">
               <a:rPr lang="sk-SK" smtClean="0"/>
-              <a:t>1.4.19</a:t>
+              <a:t>1. 4. 2019</a:t>
             </a:fld>
             <a:endParaRPr lang="en-US"/>
           </a:p>
@@ -2105,7 +2105,7 @@
           <a:p>
             <a:fld id="{C41B8640-B450-0C4A-9516-6E2711D4D46C}" type="datetime1">
               <a:rPr lang="sk-SK" smtClean="0"/>
-              <a:t>1.4.19</a:t>
+              <a:t>1. 4. 2019</a:t>
             </a:fld>
             <a:endParaRPr lang="en-US"/>
           </a:p>
@@ -2200,7 +2200,7 @@
           <a:p>
             <a:fld id="{6B0C531D-6297-E049-BA84-34FE8FD92947}" type="datetime1">
               <a:rPr lang="sk-SK" smtClean="0"/>
-              <a:t>1.4.19</a:t>
+              <a:t>1. 4. 2019</a:t>
             </a:fld>
             <a:endParaRPr lang="en-US"/>
           </a:p>
@@ -2477,7 +2477,7 @@
           <a:p>
             <a:fld id="{5410C6F4-3FBB-2D4D-B13A-D6953AE0A3AF}" type="datetime1">
               <a:rPr lang="sk-SK" smtClean="0"/>
-              <a:t>1.4.19</a:t>
+              <a:t>1. 4. 2019</a:t>
             </a:fld>
             <a:endParaRPr lang="en-US"/>
           </a:p>
@@ -2734,7 +2734,7 @@
           <a:p>
             <a:fld id="{637C8A6D-C806-FE45-AB4E-63619D22D102}" type="datetime1">
               <a:rPr lang="sk-SK" smtClean="0"/>
-              <a:t>1.4.19</a:t>
+              <a:t>1. 4. 2019</a:t>
             </a:fld>
             <a:endParaRPr lang="en-US"/>
           </a:p>
@@ -2947,7 +2947,7 @@
           <a:p>
             <a:fld id="{5F80EA03-2C13-2441-AAFA-2B3D759DC539}" type="datetime1">
               <a:rPr lang="sk-SK" smtClean="0"/>
-              <a:t>1.4.19</a:t>
+              <a:t>1. 4. 2019</a:t>
             </a:fld>
             <a:endParaRPr lang="en-US"/>
           </a:p>
@@ -8706,8 +8706,19 @@
                 <a:latin typeface="Arial" panose="020B0604020202020204" pitchFamily="34" charset="0"/>
                 <a:cs typeface="Arial" panose="020B0604020202020204" pitchFamily="34" charset="0"/>
               </a:rPr>
-              <a:t>, KDE)</a:t>
-            </a:r>
+              <a:t>, KDE) -</a:t>
+            </a:r>
+            <a:r>
+              <a:rPr lang="sk-SK" sz="1800" i="1" dirty="0">
+                <a:latin typeface="Arial" panose="020B0604020202020204" pitchFamily="34" charset="0"/>
+                <a:cs typeface="Arial" panose="020B0604020202020204" pitchFamily="34" charset="0"/>
+              </a:rPr>
+              <a:t>1 premenná</a:t>
+            </a:r>
+            <a:endParaRPr lang="sk-SK" sz="1800" dirty="0">
+              <a:latin typeface="Arial" panose="020B0604020202020204" pitchFamily="34" charset="0"/>
+              <a:cs typeface="Arial" panose="020B0604020202020204" pitchFamily="34" charset="0"/>
+            </a:endParaRPr>
           </a:p>
           <a:p>
             <a:pPr marL="0" indent="0">
@@ -8724,7 +8735,7 @@
                 <a:latin typeface="Arial" panose="020B0604020202020204" pitchFamily="34" charset="0"/>
                 <a:cs typeface="Arial" panose="020B0604020202020204" pitchFamily="34" charset="0"/>
               </a:rPr>
-              <a:t>Vizualizácie vzájomných závislostí 2 a viac atribútov spojitých premenných (bodové grafy, regresné grafy)</a:t>
+              <a:t>Vizualizácie vzájomných závislostí 2 a viac atribútov spojitých premenných (bodové grafy, regresné grafy) - </a:t>
             </a:r>
           </a:p>
           <a:p>
@@ -9203,215 +9214,251 @@
           </a:lstStyle>
           <a:p>
             <a:r>
-              <a:rPr lang="sk-SK" sz="1800" dirty="0">
+              <a:rPr lang="sk-SK" sz="1400" dirty="0">
                 <a:latin typeface="Arial" panose="020B0604020202020204" pitchFamily="34" charset="0"/>
                 <a:cs typeface="Arial" panose="020B0604020202020204" pitchFamily="34" charset="0"/>
               </a:rPr>
               <a:t>Vizualizácie distribúcie hodnôt premenných – </a:t>
             </a:r>
             <a:r>
-              <a:rPr lang="sk-SK" sz="1800" dirty="0" err="1">
+              <a:rPr lang="sk-SK" sz="1400" dirty="0" err="1">
                 <a:latin typeface="Arial" panose="020B0604020202020204" pitchFamily="34" charset="0"/>
                 <a:cs typeface="Arial" panose="020B0604020202020204" pitchFamily="34" charset="0"/>
               </a:rPr>
               <a:t>histogramy</a:t>
             </a:r>
             <a:r>
-              <a:rPr lang="sk-SK" sz="1800" dirty="0">
-                <a:latin typeface="Arial" panose="020B0604020202020204" pitchFamily="34" charset="0"/>
-                <a:cs typeface="Arial" panose="020B0604020202020204" pitchFamily="34" charset="0"/>
-              </a:rPr>
-              <a:t> a ich rozšírenia</a:t>
-            </a:r>
-          </a:p>
-          <a:p>
-            <a:r>
-              <a:rPr lang="sk-SK" sz="1800" i="1" dirty="0" err="1">
-                <a:latin typeface="Arial" panose="020B0604020202020204" pitchFamily="34" charset="0"/>
-                <a:cs typeface="Arial" panose="020B0604020202020204" pitchFamily="34" charset="0"/>
-              </a:rPr>
-              <a:t>distplot</a:t>
-            </a:r>
-            <a:r>
-              <a:rPr lang="sk-SK" sz="1800" i="1" dirty="0">
-                <a:latin typeface="Arial" panose="020B0604020202020204" pitchFamily="34" charset="0"/>
-                <a:cs typeface="Arial" panose="020B0604020202020204" pitchFamily="34" charset="0"/>
-              </a:rPr>
-              <a:t>() </a:t>
-            </a:r>
-            <a:r>
-              <a:rPr lang="sk-SK" sz="1800" dirty="0">
-                <a:latin typeface="Arial" panose="020B0604020202020204" pitchFamily="34" charset="0"/>
-                <a:cs typeface="Arial" panose="020B0604020202020204" pitchFamily="34" charset="0"/>
-              </a:rPr>
-              <a:t>pre numerické atribúty</a:t>
-            </a:r>
-          </a:p>
-          <a:p>
-            <a:pPr lvl="1"/>
-            <a:r>
-              <a:rPr lang="sk-SK" sz="1360" dirty="0">
-                <a:latin typeface="Arial" panose="020B0604020202020204" pitchFamily="34" charset="0"/>
-                <a:cs typeface="Arial" panose="020B0604020202020204" pitchFamily="34" charset="0"/>
-              </a:rPr>
-              <a:t>používa </a:t>
-            </a:r>
-            <a:r>
-              <a:rPr lang="sk-SK" sz="1360" dirty="0" err="1">
-                <a:latin typeface="Arial" panose="020B0604020202020204" pitchFamily="34" charset="0"/>
-                <a:cs typeface="Arial" panose="020B0604020202020204" pitchFamily="34" charset="0"/>
-              </a:rPr>
-              <a:t>hist</a:t>
-            </a:r>
-            <a:r>
-              <a:rPr lang="sk-SK" sz="1360" dirty="0">
-                <a:latin typeface="Arial" panose="020B0604020202020204" pitchFamily="34" charset="0"/>
-                <a:cs typeface="Arial" panose="020B0604020202020204" pitchFamily="34" charset="0"/>
-              </a:rPr>
-              <a:t>() funkciu z </a:t>
-            </a:r>
-            <a:r>
-              <a:rPr lang="sk-SK" sz="1360" dirty="0" err="1">
-                <a:latin typeface="Arial" panose="020B0604020202020204" pitchFamily="34" charset="0"/>
-                <a:cs typeface="Arial" panose="020B0604020202020204" pitchFamily="34" charset="0"/>
-              </a:rPr>
-              <a:t>matplotlib</a:t>
-            </a:r>
-            <a:r>
-              <a:rPr lang="sk-SK" sz="1360" dirty="0">
-                <a:latin typeface="Arial" panose="020B0604020202020204" pitchFamily="34" charset="0"/>
-                <a:cs typeface="Arial" panose="020B0604020202020204" pitchFamily="34" charset="0"/>
-              </a:rPr>
-              <a:t> a rozširuje ju</a:t>
-            </a:r>
-          </a:p>
-          <a:p>
-            <a:pPr lvl="1"/>
-            <a:r>
               <a:rPr lang="sk-SK" sz="1400" dirty="0">
                 <a:latin typeface="Arial" panose="020B0604020202020204" pitchFamily="34" charset="0"/>
                 <a:cs typeface="Arial" panose="020B0604020202020204" pitchFamily="34" charset="0"/>
               </a:rPr>
-              <a:t>KDE (</a:t>
-            </a:r>
-            <a:r>
-              <a:rPr lang="sk-SK" sz="1400" dirty="0" err="1">
-                <a:latin typeface="Arial" panose="020B0604020202020204" pitchFamily="34" charset="0"/>
-                <a:cs typeface="Arial" panose="020B0604020202020204" pitchFamily="34" charset="0"/>
-              </a:rPr>
-              <a:t>Kernel</a:t>
-            </a:r>
-            <a:r>
-              <a:rPr lang="sk-SK" sz="1400" dirty="0">
-                <a:latin typeface="Arial" panose="020B0604020202020204" pitchFamily="34" charset="0"/>
-                <a:cs typeface="Arial" panose="020B0604020202020204" pitchFamily="34" charset="0"/>
-              </a:rPr>
-              <a:t> </a:t>
-            </a:r>
-            <a:r>
-              <a:rPr lang="sk-SK" sz="1400" dirty="0" err="1">
-                <a:latin typeface="Arial" panose="020B0604020202020204" pitchFamily="34" charset="0"/>
-                <a:cs typeface="Arial" panose="020B0604020202020204" pitchFamily="34" charset="0"/>
-              </a:rPr>
-              <a:t>Density</a:t>
-            </a:r>
-            <a:r>
-              <a:rPr lang="sk-SK" sz="1400" dirty="0">
-                <a:latin typeface="Arial" panose="020B0604020202020204" pitchFamily="34" charset="0"/>
-                <a:cs typeface="Arial" panose="020B0604020202020204" pitchFamily="34" charset="0"/>
-              </a:rPr>
-              <a:t> </a:t>
-            </a:r>
-            <a:r>
-              <a:rPr lang="sk-SK" sz="1400" dirty="0" err="1">
-                <a:latin typeface="Arial" panose="020B0604020202020204" pitchFamily="34" charset="0"/>
-                <a:cs typeface="Arial" panose="020B0604020202020204" pitchFamily="34" charset="0"/>
-              </a:rPr>
-              <a:t>Estimation</a:t>
-            </a:r>
-            <a:r>
-              <a:rPr lang="sk-SK" sz="1400" dirty="0">
-                <a:latin typeface="Arial" panose="020B0604020202020204" pitchFamily="34" charset="0"/>
-                <a:cs typeface="Arial" panose="020B0604020202020204" pitchFamily="34" charset="0"/>
-              </a:rPr>
-              <a:t>) – odhad distribúcie hodnôt v dátach</a:t>
-            </a:r>
-          </a:p>
-          <a:p>
-            <a:pPr lvl="1"/>
-            <a:r>
-              <a:rPr lang="sk-SK" sz="1400" dirty="0">
-                <a:latin typeface="Arial" panose="020B0604020202020204" pitchFamily="34" charset="0"/>
-                <a:cs typeface="Arial" panose="020B0604020202020204" pitchFamily="34" charset="0"/>
-              </a:rPr>
-              <a:t>“</a:t>
-            </a:r>
-            <a:r>
-              <a:rPr lang="sk-SK" sz="1400" dirty="0" err="1">
-                <a:latin typeface="Arial" panose="020B0604020202020204" pitchFamily="34" charset="0"/>
-                <a:cs typeface="Arial" panose="020B0604020202020204" pitchFamily="34" charset="0"/>
-              </a:rPr>
-              <a:t>rug</a:t>
-            </a:r>
-            <a:r>
-              <a:rPr lang="sk-SK" sz="1400" dirty="0">
-                <a:latin typeface="Arial" panose="020B0604020202020204" pitchFamily="34" charset="0"/>
-                <a:cs typeface="Arial" panose="020B0604020202020204" pitchFamily="34" charset="0"/>
-              </a:rPr>
-              <a:t>“ plot – vykresľovanie dátových bodov na jednej z osí</a:t>
-            </a:r>
-          </a:p>
-          <a:p>
-            <a:r>
-              <a:rPr lang="sk-SK" sz="1840" i="1" dirty="0" err="1">
-                <a:latin typeface="Arial" panose="020B0604020202020204" pitchFamily="34" charset="0"/>
-                <a:cs typeface="Arial" panose="020B0604020202020204" pitchFamily="34" charset="0"/>
-              </a:rPr>
-              <a:t>countplot</a:t>
-            </a:r>
-            <a:r>
-              <a:rPr lang="sk-SK" sz="1840" i="1" dirty="0">
-                <a:latin typeface="Arial" panose="020B0604020202020204" pitchFamily="34" charset="0"/>
-                <a:cs typeface="Arial" panose="020B0604020202020204" pitchFamily="34" charset="0"/>
-              </a:rPr>
-              <a:t>()</a:t>
-            </a:r>
-            <a:r>
-              <a:rPr lang="sk-SK" sz="1840" dirty="0">
-                <a:latin typeface="Arial" panose="020B0604020202020204" pitchFamily="34" charset="0"/>
-                <a:cs typeface="Arial" panose="020B0604020202020204" pitchFamily="34" charset="0"/>
-              </a:rPr>
-              <a:t> pre kategorické atribúty</a:t>
-            </a:r>
-            <a:endParaRPr lang="sk-SK" sz="1360" dirty="0">
+              <a:t> a ich rozšírenia </a:t>
+            </a:r>
+            <a:r>
+              <a:rPr lang="sk-SK" sz="1400" i="1" dirty="0">
+                <a:latin typeface="Arial" panose="020B0604020202020204" pitchFamily="34" charset="0"/>
+                <a:cs typeface="Arial" panose="020B0604020202020204" pitchFamily="34" charset="0"/>
+              </a:rPr>
+              <a:t>(krivka – aproximácia hustoty rozdelenia, máme prehľad či to rozdelenie normálne = vrchol v okolí strednej hodnoty alebo je posunutý niektorým smerom)</a:t>
+            </a:r>
+            <a:endParaRPr lang="sk-SK" sz="1400" dirty="0">
               <a:latin typeface="Arial" panose="020B0604020202020204" pitchFamily="34" charset="0"/>
               <a:cs typeface="Arial" panose="020B0604020202020204" pitchFamily="34" charset="0"/>
             </a:endParaRPr>
           </a:p>
           <a:p>
             <a:r>
-              <a:rPr lang="sk-SK" sz="1800" dirty="0" err="1">
+              <a:rPr lang="sk-SK" sz="1800" i="1" dirty="0" err="1">
+                <a:latin typeface="Arial" panose="020B0604020202020204" pitchFamily="34" charset="0"/>
+                <a:cs typeface="Arial" panose="020B0604020202020204" pitchFamily="34" charset="0"/>
+              </a:rPr>
+              <a:t>distplot</a:t>
+            </a:r>
+            <a:r>
+              <a:rPr lang="sk-SK" sz="1800" i="1" dirty="0">
+                <a:latin typeface="Arial" panose="020B0604020202020204" pitchFamily="34" charset="0"/>
+                <a:cs typeface="Arial" panose="020B0604020202020204" pitchFamily="34" charset="0"/>
+              </a:rPr>
+              <a:t>() </a:t>
+            </a:r>
+            <a:r>
+              <a:rPr lang="sk-SK" sz="1800" dirty="0">
+                <a:latin typeface="Arial" panose="020B0604020202020204" pitchFamily="34" charset="0"/>
+                <a:cs typeface="Arial" panose="020B0604020202020204" pitchFamily="34" charset="0"/>
+              </a:rPr>
+              <a:t>pre numerické atribúty</a:t>
+            </a:r>
+          </a:p>
+          <a:p>
+            <a:pPr lvl="1"/>
+            <a:r>
+              <a:rPr lang="sk-SK" sz="1360" dirty="0">
+                <a:latin typeface="Arial" panose="020B0604020202020204" pitchFamily="34" charset="0"/>
+                <a:cs typeface="Arial" panose="020B0604020202020204" pitchFamily="34" charset="0"/>
+              </a:rPr>
+              <a:t>používa </a:t>
+            </a:r>
+            <a:r>
+              <a:rPr lang="sk-SK" sz="1360" dirty="0" err="1">
+                <a:latin typeface="Arial" panose="020B0604020202020204" pitchFamily="34" charset="0"/>
+                <a:cs typeface="Arial" panose="020B0604020202020204" pitchFamily="34" charset="0"/>
+              </a:rPr>
+              <a:t>hist</a:t>
+            </a:r>
+            <a:r>
+              <a:rPr lang="sk-SK" sz="1360" dirty="0">
+                <a:latin typeface="Arial" panose="020B0604020202020204" pitchFamily="34" charset="0"/>
+                <a:cs typeface="Arial" panose="020B0604020202020204" pitchFamily="34" charset="0"/>
+              </a:rPr>
+              <a:t>() funkciu z </a:t>
+            </a:r>
+            <a:r>
+              <a:rPr lang="sk-SK" sz="1360" dirty="0" err="1">
+                <a:latin typeface="Arial" panose="020B0604020202020204" pitchFamily="34" charset="0"/>
+                <a:cs typeface="Arial" panose="020B0604020202020204" pitchFamily="34" charset="0"/>
+              </a:rPr>
+              <a:t>matplotlib</a:t>
+            </a:r>
+            <a:r>
+              <a:rPr lang="sk-SK" sz="1360" dirty="0">
+                <a:latin typeface="Arial" panose="020B0604020202020204" pitchFamily="34" charset="0"/>
+                <a:cs typeface="Arial" panose="020B0604020202020204" pitchFamily="34" charset="0"/>
+              </a:rPr>
+              <a:t> a rozširuje ju</a:t>
+            </a:r>
+          </a:p>
+          <a:p>
+            <a:pPr lvl="1"/>
+            <a:r>
+              <a:rPr lang="sk-SK" sz="1400" dirty="0">
+                <a:latin typeface="Arial" panose="020B0604020202020204" pitchFamily="34" charset="0"/>
+                <a:cs typeface="Arial" panose="020B0604020202020204" pitchFamily="34" charset="0"/>
+              </a:rPr>
+              <a:t>KDE (</a:t>
+            </a:r>
+            <a:r>
+              <a:rPr lang="sk-SK" sz="1400" dirty="0" err="1">
+                <a:latin typeface="Arial" panose="020B0604020202020204" pitchFamily="34" charset="0"/>
+                <a:cs typeface="Arial" panose="020B0604020202020204" pitchFamily="34" charset="0"/>
+              </a:rPr>
+              <a:t>Kernel</a:t>
+            </a:r>
+            <a:r>
+              <a:rPr lang="sk-SK" sz="1400" dirty="0">
+                <a:latin typeface="Arial" panose="020B0604020202020204" pitchFamily="34" charset="0"/>
+                <a:cs typeface="Arial" panose="020B0604020202020204" pitchFamily="34" charset="0"/>
+              </a:rPr>
+              <a:t> </a:t>
+            </a:r>
+            <a:r>
+              <a:rPr lang="sk-SK" sz="1400" dirty="0" err="1">
+                <a:latin typeface="Arial" panose="020B0604020202020204" pitchFamily="34" charset="0"/>
+                <a:cs typeface="Arial" panose="020B0604020202020204" pitchFamily="34" charset="0"/>
+              </a:rPr>
+              <a:t>Density</a:t>
+            </a:r>
+            <a:r>
+              <a:rPr lang="sk-SK" sz="1400" dirty="0">
+                <a:latin typeface="Arial" panose="020B0604020202020204" pitchFamily="34" charset="0"/>
+                <a:cs typeface="Arial" panose="020B0604020202020204" pitchFamily="34" charset="0"/>
+              </a:rPr>
+              <a:t> </a:t>
+            </a:r>
+            <a:r>
+              <a:rPr lang="sk-SK" sz="1400" dirty="0" err="1">
+                <a:latin typeface="Arial" panose="020B0604020202020204" pitchFamily="34" charset="0"/>
+                <a:cs typeface="Arial" panose="020B0604020202020204" pitchFamily="34" charset="0"/>
+              </a:rPr>
+              <a:t>Estimation</a:t>
+            </a:r>
+            <a:r>
+              <a:rPr lang="sk-SK" sz="1400" dirty="0">
+                <a:latin typeface="Arial" panose="020B0604020202020204" pitchFamily="34" charset="0"/>
+                <a:cs typeface="Arial" panose="020B0604020202020204" pitchFamily="34" charset="0"/>
+              </a:rPr>
+              <a:t>) – odhad distribúcie hodnôt v dátach</a:t>
+            </a:r>
+          </a:p>
+          <a:p>
+            <a:pPr lvl="1"/>
+            <a:r>
+              <a:rPr lang="sk-SK" sz="1400" dirty="0">
+                <a:latin typeface="Arial" panose="020B0604020202020204" pitchFamily="34" charset="0"/>
+                <a:cs typeface="Arial" panose="020B0604020202020204" pitchFamily="34" charset="0"/>
+              </a:rPr>
+              <a:t>“</a:t>
+            </a:r>
+            <a:r>
+              <a:rPr lang="sk-SK" sz="1400" dirty="0" err="1">
+                <a:latin typeface="Arial" panose="020B0604020202020204" pitchFamily="34" charset="0"/>
+                <a:cs typeface="Arial" panose="020B0604020202020204" pitchFamily="34" charset="0"/>
+              </a:rPr>
+              <a:t>rug</a:t>
+            </a:r>
+            <a:r>
+              <a:rPr lang="sk-SK" sz="1400" dirty="0">
+                <a:latin typeface="Arial" panose="020B0604020202020204" pitchFamily="34" charset="0"/>
+                <a:cs typeface="Arial" panose="020B0604020202020204" pitchFamily="34" charset="0"/>
+              </a:rPr>
+              <a:t>“ plot – vykresľovanie dátových bodov na jednej z osí – </a:t>
+            </a:r>
+            <a:r>
+              <a:rPr lang="sk-SK" sz="1400" i="1" dirty="0">
+                <a:latin typeface="Arial" panose="020B0604020202020204" pitchFamily="34" charset="0"/>
+                <a:cs typeface="Arial" panose="020B0604020202020204" pitchFamily="34" charset="0"/>
+              </a:rPr>
+              <a:t>každá čiarka je jeden príklad, aké hodnoty nadobúdajú jednotlivé príklady v danom intervale, viem identifikovať pravdepodobnosť príkladu – je to </a:t>
+            </a:r>
+            <a:r>
+              <a:rPr lang="sk-SK" sz="1400" i="1" dirty="0" err="1">
+                <a:latin typeface="Arial" panose="020B0604020202020204" pitchFamily="34" charset="0"/>
+                <a:cs typeface="Arial" panose="020B0604020202020204" pitchFamily="34" charset="0"/>
+              </a:rPr>
+              <a:t>histogram</a:t>
+            </a:r>
+            <a:r>
+              <a:rPr lang="sk-SK" sz="1400" i="1" dirty="0">
+                <a:latin typeface="Arial" panose="020B0604020202020204" pitchFamily="34" charset="0"/>
+                <a:cs typeface="Arial" panose="020B0604020202020204" pitchFamily="34" charset="0"/>
+              </a:rPr>
+              <a:t> pre spojité numerické atribúty</a:t>
+            </a:r>
+            <a:endParaRPr lang="sk-SK" sz="1400" dirty="0">
+              <a:latin typeface="Arial" panose="020B0604020202020204" pitchFamily="34" charset="0"/>
+              <a:cs typeface="Arial" panose="020B0604020202020204" pitchFamily="34" charset="0"/>
+            </a:endParaRPr>
+          </a:p>
+          <a:p>
+            <a:r>
+              <a:rPr lang="sk-SK" sz="1400" i="1" dirty="0" err="1">
+                <a:latin typeface="Arial" panose="020B0604020202020204" pitchFamily="34" charset="0"/>
+                <a:cs typeface="Arial" panose="020B0604020202020204" pitchFamily="34" charset="0"/>
+              </a:rPr>
+              <a:t>countplot</a:t>
+            </a:r>
+            <a:r>
+              <a:rPr lang="sk-SK" sz="1400" i="1" dirty="0">
+                <a:latin typeface="Arial" panose="020B0604020202020204" pitchFamily="34" charset="0"/>
+                <a:cs typeface="Arial" panose="020B0604020202020204" pitchFamily="34" charset="0"/>
+              </a:rPr>
+              <a:t>()</a:t>
+            </a:r>
+            <a:r>
+              <a:rPr lang="sk-SK" sz="1400" dirty="0">
+                <a:latin typeface="Arial" panose="020B0604020202020204" pitchFamily="34" charset="0"/>
+                <a:cs typeface="Arial" panose="020B0604020202020204" pitchFamily="34" charset="0"/>
+              </a:rPr>
+              <a:t> pre kategorické atribúty</a:t>
+            </a:r>
+            <a:endParaRPr lang="sk-SK" sz="1050" dirty="0">
+              <a:latin typeface="Arial" panose="020B0604020202020204" pitchFamily="34" charset="0"/>
+              <a:cs typeface="Arial" panose="020B0604020202020204" pitchFamily="34" charset="0"/>
+            </a:endParaRPr>
+          </a:p>
+          <a:p>
+            <a:r>
+              <a:rPr lang="sk-SK" sz="1200" dirty="0" err="1">
                 <a:latin typeface="Arial" panose="020B0604020202020204" pitchFamily="34" charset="0"/>
                 <a:cs typeface="Arial" panose="020B0604020202020204" pitchFamily="34" charset="0"/>
               </a:rPr>
               <a:t>Binning</a:t>
             </a:r>
             <a:r>
-              <a:rPr lang="sk-SK" sz="1800" dirty="0">
+              <a:rPr lang="sk-SK" sz="1200" dirty="0">
                 <a:latin typeface="Arial" panose="020B0604020202020204" pitchFamily="34" charset="0"/>
                 <a:cs typeface="Arial" panose="020B0604020202020204" pitchFamily="34" charset="0"/>
               </a:rPr>
               <a:t> – pre spojité premenné automatická/voliteľná </a:t>
             </a:r>
             <a:r>
-              <a:rPr lang="sk-SK" sz="1800" dirty="0" err="1">
+              <a:rPr lang="sk-SK" sz="1200" dirty="0" err="1">
                 <a:latin typeface="Arial" panose="020B0604020202020204" pitchFamily="34" charset="0"/>
                 <a:cs typeface="Arial" panose="020B0604020202020204" pitchFamily="34" charset="0"/>
               </a:rPr>
               <a:t>diskretizácia</a:t>
             </a:r>
             <a:r>
-              <a:rPr lang="sk-SK" sz="1800" dirty="0">
+              <a:rPr lang="sk-SK" sz="1200" dirty="0">
                 <a:latin typeface="Arial" panose="020B0604020202020204" pitchFamily="34" charset="0"/>
                 <a:cs typeface="Arial" panose="020B0604020202020204" pitchFamily="34" charset="0"/>
               </a:rPr>
@@ -9420,7 +9467,7 @@
           </a:p>
           <a:p>
             <a:r>
-              <a:rPr lang="sk-SK" sz="1800" dirty="0">
+              <a:rPr lang="sk-SK" sz="1200" dirty="0">
                 <a:latin typeface="Arial" panose="020B0604020202020204" pitchFamily="34" charset="0"/>
                 <a:cs typeface="Arial" panose="020B0604020202020204" pitchFamily="34" charset="0"/>
               </a:rPr>
@@ -9457,8 +9504,8 @@
         </p:blipFill>
         <p:spPr>
           <a:xfrm>
-            <a:off x="450019" y="4502307"/>
-            <a:ext cx="4421878" cy="2913403"/>
+            <a:off x="450019" y="4912932"/>
+            <a:ext cx="3798643" cy="2502778"/>
           </a:xfrm>
           <a:prstGeom prst="rect">
             <a:avLst/>
@@ -9487,8 +9534,8 @@
         </p:blipFill>
         <p:spPr>
           <a:xfrm>
-            <a:off x="5152479" y="4429675"/>
-            <a:ext cx="4532210" cy="2907024"/>
+            <a:off x="5152479" y="4900195"/>
+            <a:ext cx="3798643" cy="2436504"/>
           </a:xfrm>
           <a:prstGeom prst="rect">
             <a:avLst/>
@@ -9795,6 +9842,28 @@
               </a:rPr>
               <a:t>plots</a:t>
             </a:r>
+            <a:r>
+              <a:rPr lang="sk-SK" b="1" dirty="0">
+                <a:solidFill>
+                  <a:schemeClr val="bg1"/>
+                </a:solidFill>
+                <a:latin typeface="Arial" panose="020B0604020202020204" pitchFamily="34" charset="0"/>
+                <a:ea typeface="Segoe UI" panose="020B0502040204020203" pitchFamily="34" charset="0"/>
+                <a:cs typeface="Arial" panose="020B0604020202020204" pitchFamily="34" charset="0"/>
+              </a:rPr>
+              <a:t> – </a:t>
+            </a:r>
+            <a:r>
+              <a:rPr lang="sk-SK" b="1" i="1" dirty="0">
+                <a:solidFill>
+                  <a:schemeClr val="bg1"/>
+                </a:solidFill>
+                <a:latin typeface="Arial" panose="020B0604020202020204" pitchFamily="34" charset="0"/>
+                <a:ea typeface="Segoe UI" panose="020B0502040204020203" pitchFamily="34" charset="0"/>
+                <a:cs typeface="Arial" panose="020B0604020202020204" pitchFamily="34" charset="0"/>
+              </a:rPr>
+              <a:t>nejakým spôsobom spájam rôzne atribúty</a:t>
+            </a:r>
             <a:endParaRPr lang="sk-SK" dirty="0">
               <a:solidFill>
                 <a:schemeClr val="bg1"/>
@@ -10085,8 +10154,19 @@
                 <a:latin typeface="Arial" panose="020B0604020202020204" pitchFamily="34" charset="0"/>
                 <a:cs typeface="Arial" panose="020B0604020202020204" pitchFamily="34" charset="0"/>
               </a:rPr>
-              <a:t>každý bod zodpovedá jednému príkladu v dátach</a:t>
-            </a:r>
+              <a:t>každý bod zodpovedá jednému príkladu v dátach- </a:t>
+            </a:r>
+            <a:r>
+              <a:rPr lang="sk-SK" sz="1360" i="1" dirty="0">
+                <a:latin typeface="Arial" panose="020B0604020202020204" pitchFamily="34" charset="0"/>
+                <a:cs typeface="Arial" panose="020B0604020202020204" pitchFamily="34" charset="0"/>
+              </a:rPr>
+              <a:t>vidím presne závislosť kombinácie 2 premenných</a:t>
+            </a:r>
+            <a:endParaRPr lang="sk-SK" sz="1360" dirty="0">
+              <a:latin typeface="Arial" panose="020B0604020202020204" pitchFamily="34" charset="0"/>
+              <a:cs typeface="Arial" panose="020B0604020202020204" pitchFamily="34" charset="0"/>
+            </a:endParaRPr>
           </a:p>
           <a:p>
             <a:r>
@@ -10117,8 +10197,25 @@
                 <a:latin typeface="Arial" panose="020B0604020202020204" pitchFamily="34" charset="0"/>
                 <a:cs typeface="Arial" panose="020B0604020202020204" pitchFamily="34" charset="0"/>
               </a:rPr>
-              <a:t> plot)</a:t>
-            </a:r>
+              <a:t> </a:t>
+            </a:r>
+            <a:r>
+              <a:rPr lang="sk-SK" sz="1800">
+                <a:solidFill>
+                  <a:schemeClr val="accent1"/>
+                </a:solidFill>
+                <a:latin typeface="Arial" panose="020B0604020202020204" pitchFamily="34" charset="0"/>
+                <a:cs typeface="Arial" panose="020B0604020202020204" pitchFamily="34" charset="0"/>
+              </a:rPr>
+              <a:t>plot) </a:t>
+            </a:r>
+            <a:endParaRPr lang="sk-SK" sz="1800" dirty="0">
+              <a:solidFill>
+                <a:schemeClr val="accent1"/>
+              </a:solidFill>
+              <a:latin typeface="Arial" panose="020B0604020202020204" pitchFamily="34" charset="0"/>
+              <a:cs typeface="Arial" panose="020B0604020202020204" pitchFamily="34" charset="0"/>
+            </a:endParaRPr>
           </a:p>
           <a:p>
             <a:pPr lvl="1"/>
